--- a/final-deliverables/summary-slide.pptx
+++ b/final-deliverables/summary-slide.pptx
@@ -197,7 +197,7 @@
           <a:p>
             <a:fld id="{77018880-1F34-4F6C-B508-D9C84C622E44}" type="datetimeFigureOut">
               <a:rPr lang="en-US" smtClean="0"/>
-              <a:t>12/15/2019</a:t>
+              <a:t>12/16/2019</a:t>
             </a:fld>
             <a:endParaRPr lang="en-US"/>
           </a:p>
@@ -695,7 +695,7 @@
           <a:p>
             <a:fld id="{79F0436B-DEA0-4EC0-AC16-6B83C9962F3E}" type="datetimeFigureOut">
               <a:rPr lang="en-US" smtClean="0"/>
-              <a:t>12/15/2019</a:t>
+              <a:t>12/16/2019</a:t>
             </a:fld>
             <a:endParaRPr lang="en-US"/>
           </a:p>
@@ -893,7 +893,7 @@
           <a:p>
             <a:fld id="{79F0436B-DEA0-4EC0-AC16-6B83C9962F3E}" type="datetimeFigureOut">
               <a:rPr lang="en-US" smtClean="0"/>
-              <a:t>12/15/2019</a:t>
+              <a:t>12/16/2019</a:t>
             </a:fld>
             <a:endParaRPr lang="en-US"/>
           </a:p>
@@ -1101,7 +1101,7 @@
           <a:p>
             <a:fld id="{79F0436B-DEA0-4EC0-AC16-6B83C9962F3E}" type="datetimeFigureOut">
               <a:rPr lang="en-US" smtClean="0"/>
-              <a:t>12/15/2019</a:t>
+              <a:t>12/16/2019</a:t>
             </a:fld>
             <a:endParaRPr lang="en-US"/>
           </a:p>
@@ -1299,7 +1299,7 @@
           <a:p>
             <a:fld id="{79F0436B-DEA0-4EC0-AC16-6B83C9962F3E}" type="datetimeFigureOut">
               <a:rPr lang="en-US" smtClean="0"/>
-              <a:t>12/15/2019</a:t>
+              <a:t>12/16/2019</a:t>
             </a:fld>
             <a:endParaRPr lang="en-US"/>
           </a:p>
@@ -1574,7 +1574,7 @@
           <a:p>
             <a:fld id="{79F0436B-DEA0-4EC0-AC16-6B83C9962F3E}" type="datetimeFigureOut">
               <a:rPr lang="en-US" smtClean="0"/>
-              <a:t>12/15/2019</a:t>
+              <a:t>12/16/2019</a:t>
             </a:fld>
             <a:endParaRPr lang="en-US"/>
           </a:p>
@@ -1839,7 +1839,7 @@
           <a:p>
             <a:fld id="{79F0436B-DEA0-4EC0-AC16-6B83C9962F3E}" type="datetimeFigureOut">
               <a:rPr lang="en-US" smtClean="0"/>
-              <a:t>12/15/2019</a:t>
+              <a:t>12/16/2019</a:t>
             </a:fld>
             <a:endParaRPr lang="en-US"/>
           </a:p>
@@ -2251,7 +2251,7 @@
           <a:p>
             <a:fld id="{79F0436B-DEA0-4EC0-AC16-6B83C9962F3E}" type="datetimeFigureOut">
               <a:rPr lang="en-US" smtClean="0"/>
-              <a:t>12/15/2019</a:t>
+              <a:t>12/16/2019</a:t>
             </a:fld>
             <a:endParaRPr lang="en-US"/>
           </a:p>
@@ -2392,7 +2392,7 @@
           <a:p>
             <a:fld id="{79F0436B-DEA0-4EC0-AC16-6B83C9962F3E}" type="datetimeFigureOut">
               <a:rPr lang="en-US" smtClean="0"/>
-              <a:t>12/15/2019</a:t>
+              <a:t>12/16/2019</a:t>
             </a:fld>
             <a:endParaRPr lang="en-US"/>
           </a:p>
@@ -2505,7 +2505,7 @@
           <a:p>
             <a:fld id="{79F0436B-DEA0-4EC0-AC16-6B83C9962F3E}" type="datetimeFigureOut">
               <a:rPr lang="en-US" smtClean="0"/>
-              <a:t>12/15/2019</a:t>
+              <a:t>12/16/2019</a:t>
             </a:fld>
             <a:endParaRPr lang="en-US"/>
           </a:p>
@@ -2816,7 +2816,7 @@
           <a:p>
             <a:fld id="{79F0436B-DEA0-4EC0-AC16-6B83C9962F3E}" type="datetimeFigureOut">
               <a:rPr lang="en-US" smtClean="0"/>
-              <a:t>12/15/2019</a:t>
+              <a:t>12/16/2019</a:t>
             </a:fld>
             <a:endParaRPr lang="en-US"/>
           </a:p>
@@ -3104,7 +3104,7 @@
           <a:p>
             <a:fld id="{79F0436B-DEA0-4EC0-AC16-6B83C9962F3E}" type="datetimeFigureOut">
               <a:rPr lang="en-US" smtClean="0"/>
-              <a:t>12/15/2019</a:t>
+              <a:t>12/16/2019</a:t>
             </a:fld>
             <a:endParaRPr lang="en-US"/>
           </a:p>
@@ -3345,7 +3345,7 @@
           <a:p>
             <a:fld id="{79F0436B-DEA0-4EC0-AC16-6B83C9962F3E}" type="datetimeFigureOut">
               <a:rPr lang="en-US" smtClean="0"/>
-              <a:t>12/15/2019</a:t>
+              <a:t>12/16/2019</a:t>
             </a:fld>
             <a:endParaRPr lang="en-US"/>
           </a:p>
